--- a/presentation/수업소개.pptx
+++ b/presentation/수업소개.pptx
@@ -114,6 +114,11 @@
       </a:defRPr>
     </a:lvl9pPr>
   </p:defaultTextStyle>
+  <p:extLst>
+    <p:ext uri="{EFAFB233-063F-42B5-8137-9DF3F51BA10A}">
+      <p15:sldGuideLst xmlns:p15="http://schemas.microsoft.com/office/powerpoint/2012/main"/>
+    </p:ext>
+  </p:extLst>
 </p:presentation>
 </file>
 
@@ -427,7 +432,7 @@
           <a:p>
             <a:fld id="{59C4C784-EC1F-4CA9-9BE5-85CEDC8F8C58}" type="datetimeFigureOut">
               <a:rPr lang="ko-KR" altLang="en-US" smtClean="0"/>
-              <a:t>2014-12-06</a:t>
+              <a:t>2014-12-23</a:t>
             </a:fld>
             <a:endParaRPr lang="ko-KR" altLang="en-US"/>
           </a:p>
@@ -728,7 +733,7 @@
           <a:p>
             <a:fld id="{59C4C784-EC1F-4CA9-9BE5-85CEDC8F8C58}" type="datetimeFigureOut">
               <a:rPr lang="ko-KR" altLang="en-US" smtClean="0"/>
-              <a:t>2014-12-06</a:t>
+              <a:t>2014-12-23</a:t>
             </a:fld>
             <a:endParaRPr lang="ko-KR" altLang="en-US"/>
           </a:p>
@@ -1009,7 +1014,7 @@
           <a:p>
             <a:fld id="{59C4C784-EC1F-4CA9-9BE5-85CEDC8F8C58}" type="datetimeFigureOut">
               <a:rPr lang="ko-KR" altLang="en-US" smtClean="0"/>
-              <a:t>2014-12-06</a:t>
+              <a:t>2014-12-23</a:t>
             </a:fld>
             <a:endParaRPr lang="ko-KR" altLang="en-US"/>
           </a:p>
@@ -1203,7 +1208,7 @@
           <a:p>
             <a:fld id="{59C4C784-EC1F-4CA9-9BE5-85CEDC8F8C58}" type="datetimeFigureOut">
               <a:rPr lang="ko-KR" altLang="en-US" smtClean="0"/>
-              <a:t>2014-12-06</a:t>
+              <a:t>2014-12-23</a:t>
             </a:fld>
             <a:endParaRPr lang="ko-KR" altLang="en-US"/>
           </a:p>
@@ -1407,7 +1412,7 @@
           <a:p>
             <a:fld id="{59C4C784-EC1F-4CA9-9BE5-85CEDC8F8C58}" type="datetimeFigureOut">
               <a:rPr lang="ko-KR" altLang="en-US" smtClean="0"/>
-              <a:t>2014-12-06</a:t>
+              <a:t>2014-12-23</a:t>
             </a:fld>
             <a:endParaRPr lang="ko-KR" altLang="en-US"/>
           </a:p>
@@ -1630,7 +1635,7 @@
           <a:p>
             <a:fld id="{59C4C784-EC1F-4CA9-9BE5-85CEDC8F8C58}" type="datetimeFigureOut">
               <a:rPr lang="ko-KR" altLang="en-US" smtClean="0"/>
-              <a:t>2014-12-06</a:t>
+              <a:t>2014-12-23</a:t>
             </a:fld>
             <a:endParaRPr lang="ko-KR" altLang="en-US"/>
           </a:p>
@@ -2141,7 +2146,7 @@
           <a:p>
             <a:fld id="{59C4C784-EC1F-4CA9-9BE5-85CEDC8F8C58}" type="datetimeFigureOut">
               <a:rPr lang="ko-KR" altLang="en-US" smtClean="0"/>
-              <a:t>2014-12-06</a:t>
+              <a:t>2014-12-23</a:t>
             </a:fld>
             <a:endParaRPr lang="ko-KR" altLang="en-US"/>
           </a:p>
@@ -2418,7 +2423,7 @@
           <a:p>
             <a:fld id="{59C4C784-EC1F-4CA9-9BE5-85CEDC8F8C58}" type="datetimeFigureOut">
               <a:rPr lang="ko-KR" altLang="en-US" smtClean="0"/>
-              <a:t>2014-12-06</a:t>
+              <a:t>2014-12-23</a:t>
             </a:fld>
             <a:endParaRPr lang="ko-KR" altLang="en-US"/>
           </a:p>
@@ -2674,7 +2679,7 @@
           <a:p>
             <a:fld id="{59C4C784-EC1F-4CA9-9BE5-85CEDC8F8C58}" type="datetimeFigureOut">
               <a:rPr lang="ko-KR" altLang="en-US" smtClean="0"/>
-              <a:t>2014-12-06</a:t>
+              <a:t>2014-12-23</a:t>
             </a:fld>
             <a:endParaRPr lang="ko-KR" altLang="en-US"/>
           </a:p>
@@ -3065,7 +3070,7 @@
           <a:p>
             <a:fld id="{59C4C784-EC1F-4CA9-9BE5-85CEDC8F8C58}" type="datetimeFigureOut">
               <a:rPr lang="ko-KR" altLang="en-US" smtClean="0"/>
-              <a:t>2014-12-06</a:t>
+              <a:t>2014-12-23</a:t>
             </a:fld>
             <a:endParaRPr lang="ko-KR" altLang="en-US"/>
           </a:p>
@@ -3207,7 +3212,7 @@
           <a:p>
             <a:fld id="{59C4C784-EC1F-4CA9-9BE5-85CEDC8F8C58}" type="datetimeFigureOut">
               <a:rPr lang="ko-KR" altLang="en-US" smtClean="0"/>
-              <a:t>2014-12-06</a:t>
+              <a:t>2014-12-23</a:t>
             </a:fld>
             <a:endParaRPr lang="ko-KR" altLang="en-US"/>
           </a:p>
